--- a/Documents/Презентация отчет.pptx
+++ b/Documents/Презентация отчет.pptx
@@ -15,14 +15,15 @@
     <p:sldId id="269" r:id="rId9"/>
     <p:sldId id="278" r:id="rId10"/>
     <p:sldId id="271" r:id="rId11"/>
-    <p:sldId id="281" r:id="rId12"/>
-    <p:sldId id="282" r:id="rId13"/>
-    <p:sldId id="272" r:id="rId14"/>
+    <p:sldId id="285" r:id="rId12"/>
+    <p:sldId id="281" r:id="rId13"/>
+    <p:sldId id="282" r:id="rId14"/>
     <p:sldId id="274" r:id="rId15"/>
     <p:sldId id="283" r:id="rId16"/>
-    <p:sldId id="276" r:id="rId17"/>
-    <p:sldId id="279" r:id="rId18"/>
-    <p:sldId id="280" r:id="rId19"/>
+    <p:sldId id="284" r:id="rId17"/>
+    <p:sldId id="276" r:id="rId18"/>
+    <p:sldId id="279" r:id="rId19"/>
+    <p:sldId id="280" r:id="rId20"/>
   </p:sldIdLst>
   <p:sldSz cx="12192000" cy="6858000"/>
   <p:notesSz cx="6858000" cy="9144000"/>
@@ -260,7 +261,7 @@
           <a:p>
             <a:fld id="{0B38DCC9-3BA9-4C45-BF12-9B42EAB058F9}" type="datetimeFigureOut">
               <a:rPr lang="ru-RU" smtClean="0"/>
-              <a:t>16.12.2018</a:t>
+              <a:t>17.12.2018</a:t>
             </a:fld>
             <a:endParaRPr lang="ru-RU"/>
           </a:p>
@@ -430,7 +431,7 @@
           <a:p>
             <a:fld id="{0B38DCC9-3BA9-4C45-BF12-9B42EAB058F9}" type="datetimeFigureOut">
               <a:rPr lang="ru-RU" smtClean="0"/>
-              <a:t>16.12.2018</a:t>
+              <a:t>17.12.2018</a:t>
             </a:fld>
             <a:endParaRPr lang="ru-RU"/>
           </a:p>
@@ -610,7 +611,7 @@
           <a:p>
             <a:fld id="{0B38DCC9-3BA9-4C45-BF12-9B42EAB058F9}" type="datetimeFigureOut">
               <a:rPr lang="ru-RU" smtClean="0"/>
-              <a:t>16.12.2018</a:t>
+              <a:t>17.12.2018</a:t>
             </a:fld>
             <a:endParaRPr lang="ru-RU"/>
           </a:p>
@@ -780,7 +781,7 @@
           <a:p>
             <a:fld id="{0B38DCC9-3BA9-4C45-BF12-9B42EAB058F9}" type="datetimeFigureOut">
               <a:rPr lang="ru-RU" smtClean="0"/>
-              <a:t>16.12.2018</a:t>
+              <a:t>17.12.2018</a:t>
             </a:fld>
             <a:endParaRPr lang="ru-RU"/>
           </a:p>
@@ -1026,7 +1027,7 @@
           <a:p>
             <a:fld id="{0B38DCC9-3BA9-4C45-BF12-9B42EAB058F9}" type="datetimeFigureOut">
               <a:rPr lang="ru-RU" smtClean="0"/>
-              <a:t>16.12.2018</a:t>
+              <a:t>17.12.2018</a:t>
             </a:fld>
             <a:endParaRPr lang="ru-RU"/>
           </a:p>
@@ -1258,7 +1259,7 @@
           <a:p>
             <a:fld id="{0B38DCC9-3BA9-4C45-BF12-9B42EAB058F9}" type="datetimeFigureOut">
               <a:rPr lang="ru-RU" smtClean="0"/>
-              <a:t>16.12.2018</a:t>
+              <a:t>17.12.2018</a:t>
             </a:fld>
             <a:endParaRPr lang="ru-RU"/>
           </a:p>
@@ -1625,7 +1626,7 @@
           <a:p>
             <a:fld id="{0B38DCC9-3BA9-4C45-BF12-9B42EAB058F9}" type="datetimeFigureOut">
               <a:rPr lang="ru-RU" smtClean="0"/>
-              <a:t>16.12.2018</a:t>
+              <a:t>17.12.2018</a:t>
             </a:fld>
             <a:endParaRPr lang="ru-RU"/>
           </a:p>
@@ -1743,7 +1744,7 @@
           <a:p>
             <a:fld id="{0B38DCC9-3BA9-4C45-BF12-9B42EAB058F9}" type="datetimeFigureOut">
               <a:rPr lang="ru-RU" smtClean="0"/>
-              <a:t>16.12.2018</a:t>
+              <a:t>17.12.2018</a:t>
             </a:fld>
             <a:endParaRPr lang="ru-RU"/>
           </a:p>
@@ -1838,7 +1839,7 @@
           <a:p>
             <a:fld id="{0B38DCC9-3BA9-4C45-BF12-9B42EAB058F9}" type="datetimeFigureOut">
               <a:rPr lang="ru-RU" smtClean="0"/>
-              <a:t>16.12.2018</a:t>
+              <a:t>17.12.2018</a:t>
             </a:fld>
             <a:endParaRPr lang="ru-RU"/>
           </a:p>
@@ -2115,7 +2116,7 @@
           <a:p>
             <a:fld id="{0B38DCC9-3BA9-4C45-BF12-9B42EAB058F9}" type="datetimeFigureOut">
               <a:rPr lang="ru-RU" smtClean="0"/>
-              <a:t>16.12.2018</a:t>
+              <a:t>17.12.2018</a:t>
             </a:fld>
             <a:endParaRPr lang="ru-RU"/>
           </a:p>
@@ -2368,7 +2369,7 @@
           <a:p>
             <a:fld id="{0B38DCC9-3BA9-4C45-BF12-9B42EAB058F9}" type="datetimeFigureOut">
               <a:rPr lang="ru-RU" smtClean="0"/>
-              <a:t>16.12.2018</a:t>
+              <a:t>17.12.2018</a:t>
             </a:fld>
             <a:endParaRPr lang="ru-RU"/>
           </a:p>
@@ -2590,7 +2591,7 @@
           <a:p>
             <a:fld id="{0B38DCC9-3BA9-4C45-BF12-9B42EAB058F9}" type="datetimeFigureOut">
               <a:rPr lang="ru-RU" smtClean="0"/>
-              <a:t>16.12.2018</a:t>
+              <a:t>17.12.2018</a:t>
             </a:fld>
             <a:endParaRPr lang="ru-RU"/>
           </a:p>
@@ -4606,6 +4607,991 @@
 </file>
 
 <file path=ppt/slides/slide11.xml><?xml version="1.0" encoding="utf-8"?>
+<p:sld xmlns:a="http://schemas.openxmlformats.org/drawingml/2006/main" xmlns:r="http://schemas.openxmlformats.org/officeDocument/2006/relationships" xmlns:p="http://schemas.openxmlformats.org/presentationml/2006/main">
+  <p:cSld>
+    <p:spTree>
+      <p:nvGrpSpPr>
+        <p:cNvPr id="1" name=""/>
+        <p:cNvGrpSpPr/>
+        <p:nvPr/>
+      </p:nvGrpSpPr>
+      <p:grpSpPr>
+        <a:xfrm>
+          <a:off x="0" y="0"/>
+          <a:ext cx="0" cy="0"/>
+          <a:chOff x="0" y="0"/>
+          <a:chExt cx="0" cy="0"/>
+        </a:xfrm>
+      </p:grpSpPr>
+      <p:sp>
+        <p:nvSpPr>
+          <p:cNvPr id="4" name="Прямоугольник 3"/>
+          <p:cNvSpPr/>
+          <p:nvPr/>
+        </p:nvSpPr>
+        <p:spPr>
+          <a:xfrm>
+            <a:off x="277920" y="462896"/>
+            <a:ext cx="10600979" cy="707886"/>
+          </a:xfrm>
+          <a:prstGeom prst="rect">
+            <a:avLst/>
+          </a:prstGeom>
+        </p:spPr>
+        <p:txBody>
+          <a:bodyPr wrap="none">
+            <a:spAutoFit/>
+          </a:bodyPr>
+          <a:lstStyle/>
+          <a:p>
+            <a:pPr>
+              <a:spcAft>
+                <a:spcPts val="0"/>
+              </a:spcAft>
+            </a:pPr>
+            <a:r>
+              <a:rPr lang="ru-RU" sz="4000" dirty="0">
+                <a:latin typeface="Junegull" panose="04010000000000000000" pitchFamily="82" charset="-52"/>
+                <a:ea typeface="Times New Roman" panose="02020603050405020304" pitchFamily="18" charset="0"/>
+              </a:rPr>
+              <a:t>Технология обучения нейронной сети</a:t>
+            </a:r>
+            <a:endParaRPr lang="ru-RU" sz="4000" dirty="0">
+              <a:latin typeface="Junegull" panose="04010000000000000000" pitchFamily="82" charset="-52"/>
+              <a:ea typeface="Times New Roman" panose="02020603050405020304" pitchFamily="18" charset="0"/>
+            </a:endParaRPr>
+          </a:p>
+        </p:txBody>
+      </p:sp>
+      <p:cxnSp>
+        <p:nvCxnSpPr>
+          <p:cNvPr id="3" name="Прямая соединительная линия 2"/>
+          <p:cNvCxnSpPr/>
+          <p:nvPr/>
+        </p:nvCxnSpPr>
+        <p:spPr>
+          <a:xfrm>
+            <a:off x="277920" y="1409224"/>
+            <a:ext cx="7311600" cy="0"/>
+          </a:xfrm>
+          <a:prstGeom prst="line">
+            <a:avLst/>
+          </a:prstGeom>
+          <a:ln w="152400" cmpd="dbl">
+            <a:solidFill>
+              <a:schemeClr val="bg1">
+                <a:lumMod val="50000"/>
+                <a:alpha val="51000"/>
+              </a:schemeClr>
+            </a:solidFill>
+          </a:ln>
+          <a:effectLst>
+            <a:outerShdw blurRad="63500" sx="1000" sy="1000" algn="ctr" rotWithShape="0">
+              <a:prstClr val="black">
+                <a:alpha val="40000"/>
+              </a:prstClr>
+            </a:outerShdw>
+          </a:effectLst>
+        </p:spPr>
+        <p:style>
+          <a:lnRef idx="1">
+            <a:schemeClr val="accent1"/>
+          </a:lnRef>
+          <a:fillRef idx="0">
+            <a:schemeClr val="accent1"/>
+          </a:fillRef>
+          <a:effectRef idx="0">
+            <a:schemeClr val="accent1"/>
+          </a:effectRef>
+          <a:fontRef idx="minor">
+            <a:schemeClr val="tx1"/>
+          </a:fontRef>
+        </p:style>
+      </p:cxnSp>
+      <p:pic>
+        <p:nvPicPr>
+          <p:cNvPr id="8" name="Рисунок 7"/>
+          <p:cNvPicPr>
+            <a:picLocks noChangeAspect="1"/>
+          </p:cNvPicPr>
+          <p:nvPr/>
+        </p:nvPicPr>
+        <p:blipFill>
+          <a:blip r:embed="rId2">
+            <a:extLst>
+              <a:ext uri="{28A0092B-C50C-407E-A947-70E740481C1C}">
+                <a14:useLocalDpi xmlns:a14="http://schemas.microsoft.com/office/drawing/2010/main" val="0"/>
+              </a:ext>
+            </a:extLst>
+          </a:blip>
+          <a:srcRect l="5077" t="83449" r="86416" b="1420"/>
+          <a:stretch>
+            <a:fillRect/>
+          </a:stretch>
+        </p:blipFill>
+        <p:spPr>
+          <a:xfrm>
+            <a:off x="379943" y="2154559"/>
+            <a:ext cx="1037216" cy="1037216"/>
+          </a:xfrm>
+          <a:custGeom>
+            <a:avLst/>
+            <a:gdLst>
+              <a:gd name="connsiteX0" fmla="*/ 518608 w 1037216"/>
+              <a:gd name="connsiteY0" fmla="*/ 0 h 1037216"/>
+              <a:gd name="connsiteX1" fmla="*/ 1037216 w 1037216"/>
+              <a:gd name="connsiteY1" fmla="*/ 518608 h 1037216"/>
+              <a:gd name="connsiteX2" fmla="*/ 518608 w 1037216"/>
+              <a:gd name="connsiteY2" fmla="*/ 1037216 h 1037216"/>
+              <a:gd name="connsiteX3" fmla="*/ 0 w 1037216"/>
+              <a:gd name="connsiteY3" fmla="*/ 518608 h 1037216"/>
+              <a:gd name="connsiteX4" fmla="*/ 518608 w 1037216"/>
+              <a:gd name="connsiteY4" fmla="*/ 0 h 1037216"/>
+            </a:gdLst>
+            <a:ahLst/>
+            <a:cxnLst>
+              <a:cxn ang="0">
+                <a:pos x="connsiteX0" y="connsiteY0"/>
+              </a:cxn>
+              <a:cxn ang="0">
+                <a:pos x="connsiteX1" y="connsiteY1"/>
+              </a:cxn>
+              <a:cxn ang="0">
+                <a:pos x="connsiteX2" y="connsiteY2"/>
+              </a:cxn>
+              <a:cxn ang="0">
+                <a:pos x="connsiteX3" y="connsiteY3"/>
+              </a:cxn>
+              <a:cxn ang="0">
+                <a:pos x="connsiteX4" y="connsiteY4"/>
+              </a:cxn>
+            </a:cxnLst>
+            <a:rect l="l" t="t" r="r" b="b"/>
+            <a:pathLst>
+              <a:path w="1037216" h="1037216">
+                <a:moveTo>
+                  <a:pt x="518608" y="0"/>
+                </a:moveTo>
+                <a:cubicBezTo>
+                  <a:pt x="805027" y="0"/>
+                  <a:pt x="1037216" y="232189"/>
+                  <a:pt x="1037216" y="518608"/>
+                </a:cubicBezTo>
+                <a:cubicBezTo>
+                  <a:pt x="1037216" y="805027"/>
+                  <a:pt x="805027" y="1037216"/>
+                  <a:pt x="518608" y="1037216"/>
+                </a:cubicBezTo>
+                <a:cubicBezTo>
+                  <a:pt x="232189" y="1037216"/>
+                  <a:pt x="0" y="805027"/>
+                  <a:pt x="0" y="518608"/>
+                </a:cubicBezTo>
+                <a:cubicBezTo>
+                  <a:pt x="0" y="232189"/>
+                  <a:pt x="232189" y="0"/>
+                  <a:pt x="518608" y="0"/>
+                </a:cubicBezTo>
+                <a:close/>
+              </a:path>
+            </a:pathLst>
+          </a:custGeom>
+        </p:spPr>
+      </p:pic>
+      <p:sp>
+        <p:nvSpPr>
+          <p:cNvPr id="10" name="Прямоугольник 9"/>
+          <p:cNvSpPr/>
+          <p:nvPr/>
+        </p:nvSpPr>
+        <p:spPr>
+          <a:xfrm>
+            <a:off x="0" y="1523228"/>
+            <a:ext cx="1881940" cy="646331"/>
+          </a:xfrm>
+          <a:prstGeom prst="rect">
+            <a:avLst/>
+          </a:prstGeom>
+        </p:spPr>
+        <p:txBody>
+          <a:bodyPr wrap="square">
+            <a:spAutoFit/>
+          </a:bodyPr>
+          <a:lstStyle/>
+          <a:p>
+            <a:r>
+              <a:rPr lang="ru-RU" b="1" dirty="0">
+                <a:latin typeface="Comic Sans MS" panose="030F0702030302020204" pitchFamily="66" charset="0"/>
+                <a:ea typeface="Times New Roman" panose="02020603050405020304" pitchFamily="18" charset="0"/>
+              </a:rPr>
+              <a:t>Формирование данных</a:t>
+            </a:r>
+            <a:endParaRPr lang="ru-RU" b="1" dirty="0">
+              <a:latin typeface="Comic Sans MS" panose="030F0702030302020204" pitchFamily="66" charset="0"/>
+              <a:ea typeface="Times New Roman" panose="02020603050405020304" pitchFamily="18" charset="0"/>
+            </a:endParaRPr>
+          </a:p>
+        </p:txBody>
+      </p:sp>
+      <p:pic>
+        <p:nvPicPr>
+          <p:cNvPr id="11" name="Рисунок 10"/>
+          <p:cNvPicPr>
+            <a:picLocks noChangeAspect="1"/>
+          </p:cNvPicPr>
+          <p:nvPr/>
+        </p:nvPicPr>
+        <p:blipFill>
+          <a:blip r:embed="rId2">
+            <a:extLst>
+              <a:ext uri="{28A0092B-C50C-407E-A947-70E740481C1C}">
+                <a14:useLocalDpi xmlns:a14="http://schemas.microsoft.com/office/drawing/2010/main" val="0"/>
+              </a:ext>
+            </a:extLst>
+          </a:blip>
+          <a:srcRect l="5077" t="83449" r="86416" b="1420"/>
+          <a:stretch>
+            <a:fillRect/>
+          </a:stretch>
+        </p:blipFill>
+        <p:spPr>
+          <a:xfrm>
+            <a:off x="581197" y="4691050"/>
+            <a:ext cx="1037216" cy="1037216"/>
+          </a:xfrm>
+          <a:custGeom>
+            <a:avLst/>
+            <a:gdLst>
+              <a:gd name="connsiteX0" fmla="*/ 518608 w 1037216"/>
+              <a:gd name="connsiteY0" fmla="*/ 0 h 1037216"/>
+              <a:gd name="connsiteX1" fmla="*/ 1037216 w 1037216"/>
+              <a:gd name="connsiteY1" fmla="*/ 518608 h 1037216"/>
+              <a:gd name="connsiteX2" fmla="*/ 518608 w 1037216"/>
+              <a:gd name="connsiteY2" fmla="*/ 1037216 h 1037216"/>
+              <a:gd name="connsiteX3" fmla="*/ 0 w 1037216"/>
+              <a:gd name="connsiteY3" fmla="*/ 518608 h 1037216"/>
+              <a:gd name="connsiteX4" fmla="*/ 518608 w 1037216"/>
+              <a:gd name="connsiteY4" fmla="*/ 0 h 1037216"/>
+            </a:gdLst>
+            <a:ahLst/>
+            <a:cxnLst>
+              <a:cxn ang="0">
+                <a:pos x="connsiteX0" y="connsiteY0"/>
+              </a:cxn>
+              <a:cxn ang="0">
+                <a:pos x="connsiteX1" y="connsiteY1"/>
+              </a:cxn>
+              <a:cxn ang="0">
+                <a:pos x="connsiteX2" y="connsiteY2"/>
+              </a:cxn>
+              <a:cxn ang="0">
+                <a:pos x="connsiteX3" y="connsiteY3"/>
+              </a:cxn>
+              <a:cxn ang="0">
+                <a:pos x="connsiteX4" y="connsiteY4"/>
+              </a:cxn>
+            </a:cxnLst>
+            <a:rect l="l" t="t" r="r" b="b"/>
+            <a:pathLst>
+              <a:path w="1037216" h="1037216">
+                <a:moveTo>
+                  <a:pt x="518608" y="0"/>
+                </a:moveTo>
+                <a:cubicBezTo>
+                  <a:pt x="805027" y="0"/>
+                  <a:pt x="1037216" y="232189"/>
+                  <a:pt x="1037216" y="518608"/>
+                </a:cubicBezTo>
+                <a:cubicBezTo>
+                  <a:pt x="1037216" y="805027"/>
+                  <a:pt x="805027" y="1037216"/>
+                  <a:pt x="518608" y="1037216"/>
+                </a:cubicBezTo>
+                <a:cubicBezTo>
+                  <a:pt x="232189" y="1037216"/>
+                  <a:pt x="0" y="805027"/>
+                  <a:pt x="0" y="518608"/>
+                </a:cubicBezTo>
+                <a:cubicBezTo>
+                  <a:pt x="0" y="232189"/>
+                  <a:pt x="232189" y="0"/>
+                  <a:pt x="518608" y="0"/>
+                </a:cubicBezTo>
+                <a:close/>
+              </a:path>
+            </a:pathLst>
+          </a:custGeom>
+        </p:spPr>
+      </p:pic>
+      <p:sp>
+        <p:nvSpPr>
+          <p:cNvPr id="13" name="Прямоугольник 12"/>
+          <p:cNvSpPr/>
+          <p:nvPr/>
+        </p:nvSpPr>
+        <p:spPr>
+          <a:xfrm>
+            <a:off x="112581" y="6071750"/>
+            <a:ext cx="1974447" cy="646331"/>
+          </a:xfrm>
+          <a:prstGeom prst="rect">
+            <a:avLst/>
+          </a:prstGeom>
+        </p:spPr>
+        <p:txBody>
+          <a:bodyPr wrap="square">
+            <a:spAutoFit/>
+          </a:bodyPr>
+          <a:lstStyle/>
+          <a:p>
+            <a:pPr algn="ctr"/>
+            <a:r>
+              <a:rPr lang="ru-RU" b="1" dirty="0">
+                <a:latin typeface="Comic Sans MS" panose="030F0702030302020204" pitchFamily="66" charset="0"/>
+                <a:ea typeface="Times New Roman" panose="02020603050405020304" pitchFamily="18" charset="0"/>
+              </a:rPr>
+              <a:t>Формирование модели</a:t>
+            </a:r>
+            <a:endParaRPr lang="ru-RU" b="1" dirty="0">
+              <a:latin typeface="Comic Sans MS" panose="030F0702030302020204" pitchFamily="66" charset="0"/>
+              <a:ea typeface="Times New Roman" panose="02020603050405020304" pitchFamily="18" charset="0"/>
+            </a:endParaRPr>
+          </a:p>
+        </p:txBody>
+      </p:sp>
+      <p:sp>
+        <p:nvSpPr>
+          <p:cNvPr id="16" name="Прямоугольник 15"/>
+          <p:cNvSpPr/>
+          <p:nvPr/>
+        </p:nvSpPr>
+        <p:spPr>
+          <a:xfrm>
+            <a:off x="8789537" y="6062802"/>
+            <a:ext cx="3331135" cy="646331"/>
+          </a:xfrm>
+          <a:prstGeom prst="rect">
+            <a:avLst/>
+          </a:prstGeom>
+        </p:spPr>
+        <p:txBody>
+          <a:bodyPr wrap="square">
+            <a:spAutoFit/>
+          </a:bodyPr>
+          <a:lstStyle/>
+          <a:p>
+            <a:pPr algn="ctr"/>
+            <a:r>
+              <a:rPr lang="ru-RU" b="1" dirty="0" smtClean="0">
+                <a:latin typeface="Comic Sans MS" panose="030F0702030302020204" pitchFamily="66" charset="0"/>
+                <a:ea typeface="Times New Roman" panose="02020603050405020304" pitchFamily="18" charset="0"/>
+              </a:rPr>
+              <a:t>Настройка параметров модели</a:t>
+            </a:r>
+            <a:endParaRPr lang="ru-RU" b="1" dirty="0">
+              <a:latin typeface="Comic Sans MS" panose="030F0702030302020204" pitchFamily="66" charset="0"/>
+              <a:ea typeface="Times New Roman" panose="02020603050405020304" pitchFamily="18" charset="0"/>
+            </a:endParaRPr>
+          </a:p>
+        </p:txBody>
+      </p:sp>
+      <p:pic>
+        <p:nvPicPr>
+          <p:cNvPr id="17" name="Рисунок 16"/>
+          <p:cNvPicPr>
+            <a:picLocks noChangeAspect="1"/>
+          </p:cNvPicPr>
+          <p:nvPr/>
+        </p:nvPicPr>
+        <p:blipFill>
+          <a:blip r:embed="rId2">
+            <a:extLst>
+              <a:ext uri="{28A0092B-C50C-407E-A947-70E740481C1C}">
+                <a14:useLocalDpi xmlns:a14="http://schemas.microsoft.com/office/drawing/2010/main" val="0"/>
+              </a:ext>
+            </a:extLst>
+          </a:blip>
+          <a:srcRect l="5077" t="83449" r="86416" b="1420"/>
+          <a:stretch>
+            <a:fillRect/>
+          </a:stretch>
+        </p:blipFill>
+        <p:spPr>
+          <a:xfrm>
+            <a:off x="9936498" y="4691050"/>
+            <a:ext cx="1037216" cy="1037216"/>
+          </a:xfrm>
+          <a:custGeom>
+            <a:avLst/>
+            <a:gdLst>
+              <a:gd name="connsiteX0" fmla="*/ 518608 w 1037216"/>
+              <a:gd name="connsiteY0" fmla="*/ 0 h 1037216"/>
+              <a:gd name="connsiteX1" fmla="*/ 1037216 w 1037216"/>
+              <a:gd name="connsiteY1" fmla="*/ 518608 h 1037216"/>
+              <a:gd name="connsiteX2" fmla="*/ 518608 w 1037216"/>
+              <a:gd name="connsiteY2" fmla="*/ 1037216 h 1037216"/>
+              <a:gd name="connsiteX3" fmla="*/ 0 w 1037216"/>
+              <a:gd name="connsiteY3" fmla="*/ 518608 h 1037216"/>
+              <a:gd name="connsiteX4" fmla="*/ 518608 w 1037216"/>
+              <a:gd name="connsiteY4" fmla="*/ 0 h 1037216"/>
+            </a:gdLst>
+            <a:ahLst/>
+            <a:cxnLst>
+              <a:cxn ang="0">
+                <a:pos x="connsiteX0" y="connsiteY0"/>
+              </a:cxn>
+              <a:cxn ang="0">
+                <a:pos x="connsiteX1" y="connsiteY1"/>
+              </a:cxn>
+              <a:cxn ang="0">
+                <a:pos x="connsiteX2" y="connsiteY2"/>
+              </a:cxn>
+              <a:cxn ang="0">
+                <a:pos x="connsiteX3" y="connsiteY3"/>
+              </a:cxn>
+              <a:cxn ang="0">
+                <a:pos x="connsiteX4" y="connsiteY4"/>
+              </a:cxn>
+            </a:cxnLst>
+            <a:rect l="l" t="t" r="r" b="b"/>
+            <a:pathLst>
+              <a:path w="1037216" h="1037216">
+                <a:moveTo>
+                  <a:pt x="518608" y="0"/>
+                </a:moveTo>
+                <a:cubicBezTo>
+                  <a:pt x="805027" y="0"/>
+                  <a:pt x="1037216" y="232189"/>
+                  <a:pt x="1037216" y="518608"/>
+                </a:cubicBezTo>
+                <a:cubicBezTo>
+                  <a:pt x="1037216" y="805027"/>
+                  <a:pt x="805027" y="1037216"/>
+                  <a:pt x="518608" y="1037216"/>
+                </a:cubicBezTo>
+                <a:cubicBezTo>
+                  <a:pt x="232189" y="1037216"/>
+                  <a:pt x="0" y="805027"/>
+                  <a:pt x="0" y="518608"/>
+                </a:cubicBezTo>
+                <a:cubicBezTo>
+                  <a:pt x="0" y="232189"/>
+                  <a:pt x="232189" y="0"/>
+                  <a:pt x="518608" y="0"/>
+                </a:cubicBezTo>
+                <a:close/>
+              </a:path>
+            </a:pathLst>
+          </a:custGeom>
+        </p:spPr>
+      </p:pic>
+      <p:sp>
+        <p:nvSpPr>
+          <p:cNvPr id="19" name="Прямоугольник 18"/>
+          <p:cNvSpPr/>
+          <p:nvPr/>
+        </p:nvSpPr>
+        <p:spPr>
+          <a:xfrm>
+            <a:off x="9710218" y="1442016"/>
+            <a:ext cx="2458925" cy="646331"/>
+          </a:xfrm>
+          <a:prstGeom prst="rect">
+            <a:avLst/>
+          </a:prstGeom>
+        </p:spPr>
+        <p:txBody>
+          <a:bodyPr wrap="square">
+            <a:spAutoFit/>
+          </a:bodyPr>
+          <a:lstStyle/>
+          <a:p>
+            <a:pPr algn="ctr"/>
+            <a:r>
+              <a:rPr lang="ru-RU" b="1" dirty="0" smtClean="0">
+                <a:latin typeface="Comic Sans MS" panose="030F0702030302020204" pitchFamily="66" charset="0"/>
+                <a:ea typeface="Times New Roman" panose="02020603050405020304" pitchFamily="18" charset="0"/>
+              </a:rPr>
+              <a:t>Запуск обучения нейронной сети</a:t>
+            </a:r>
+            <a:endParaRPr lang="ru-RU" b="1" dirty="0">
+              <a:latin typeface="Comic Sans MS" panose="030F0702030302020204" pitchFamily="66" charset="0"/>
+              <a:ea typeface="Times New Roman" panose="02020603050405020304" pitchFamily="18" charset="0"/>
+            </a:endParaRPr>
+          </a:p>
+        </p:txBody>
+      </p:sp>
+      <p:pic>
+        <p:nvPicPr>
+          <p:cNvPr id="23" name="Рисунок 22"/>
+          <p:cNvPicPr>
+            <a:picLocks noChangeAspect="1"/>
+          </p:cNvPicPr>
+          <p:nvPr/>
+        </p:nvPicPr>
+        <p:blipFill>
+          <a:blip r:embed="rId2">
+            <a:extLst>
+              <a:ext uri="{28A0092B-C50C-407E-A947-70E740481C1C}">
+                <a14:useLocalDpi xmlns:a14="http://schemas.microsoft.com/office/drawing/2010/main" val="0"/>
+              </a:ext>
+            </a:extLst>
+          </a:blip>
+          <a:srcRect l="5077" t="83449" r="86416" b="1420"/>
+          <a:stretch>
+            <a:fillRect/>
+          </a:stretch>
+        </p:blipFill>
+        <p:spPr>
+          <a:xfrm>
+            <a:off x="10923653" y="2161110"/>
+            <a:ext cx="1037216" cy="1037216"/>
+          </a:xfrm>
+          <a:custGeom>
+            <a:avLst/>
+            <a:gdLst>
+              <a:gd name="connsiteX0" fmla="*/ 518608 w 1037216"/>
+              <a:gd name="connsiteY0" fmla="*/ 0 h 1037216"/>
+              <a:gd name="connsiteX1" fmla="*/ 1037216 w 1037216"/>
+              <a:gd name="connsiteY1" fmla="*/ 518608 h 1037216"/>
+              <a:gd name="connsiteX2" fmla="*/ 518608 w 1037216"/>
+              <a:gd name="connsiteY2" fmla="*/ 1037216 h 1037216"/>
+              <a:gd name="connsiteX3" fmla="*/ 0 w 1037216"/>
+              <a:gd name="connsiteY3" fmla="*/ 518608 h 1037216"/>
+              <a:gd name="connsiteX4" fmla="*/ 518608 w 1037216"/>
+              <a:gd name="connsiteY4" fmla="*/ 0 h 1037216"/>
+            </a:gdLst>
+            <a:ahLst/>
+            <a:cxnLst>
+              <a:cxn ang="0">
+                <a:pos x="connsiteX0" y="connsiteY0"/>
+              </a:cxn>
+              <a:cxn ang="0">
+                <a:pos x="connsiteX1" y="connsiteY1"/>
+              </a:cxn>
+              <a:cxn ang="0">
+                <a:pos x="connsiteX2" y="connsiteY2"/>
+              </a:cxn>
+              <a:cxn ang="0">
+                <a:pos x="connsiteX3" y="connsiteY3"/>
+              </a:cxn>
+              <a:cxn ang="0">
+                <a:pos x="connsiteX4" y="connsiteY4"/>
+              </a:cxn>
+            </a:cxnLst>
+            <a:rect l="l" t="t" r="r" b="b"/>
+            <a:pathLst>
+              <a:path w="1037216" h="1037216">
+                <a:moveTo>
+                  <a:pt x="518608" y="0"/>
+                </a:moveTo>
+                <a:cubicBezTo>
+                  <a:pt x="805027" y="0"/>
+                  <a:pt x="1037216" y="232189"/>
+                  <a:pt x="1037216" y="518608"/>
+                </a:cubicBezTo>
+                <a:cubicBezTo>
+                  <a:pt x="1037216" y="805027"/>
+                  <a:pt x="805027" y="1037216"/>
+                  <a:pt x="518608" y="1037216"/>
+                </a:cubicBezTo>
+                <a:cubicBezTo>
+                  <a:pt x="232189" y="1037216"/>
+                  <a:pt x="0" y="805027"/>
+                  <a:pt x="0" y="518608"/>
+                </a:cubicBezTo>
+                <a:cubicBezTo>
+                  <a:pt x="0" y="232189"/>
+                  <a:pt x="232189" y="0"/>
+                  <a:pt x="518608" y="0"/>
+                </a:cubicBezTo>
+                <a:close/>
+              </a:path>
+            </a:pathLst>
+          </a:custGeom>
+        </p:spPr>
+      </p:pic>
+      <p:sp>
+        <p:nvSpPr>
+          <p:cNvPr id="2" name="Выгнутая влево стрелка 1"/>
+          <p:cNvSpPr/>
+          <p:nvPr/>
+        </p:nvSpPr>
+        <p:spPr>
+          <a:xfrm rot="20883735">
+            <a:off x="105730" y="3026720"/>
+            <a:ext cx="579567" cy="1747710"/>
+          </a:xfrm>
+          <a:prstGeom prst="curvedRightArrow">
+            <a:avLst/>
+          </a:prstGeom>
+          <a:ln>
+            <a:solidFill>
+              <a:schemeClr val="bg1">
+                <a:lumMod val="50000"/>
+              </a:schemeClr>
+            </a:solidFill>
+          </a:ln>
+        </p:spPr>
+        <p:style>
+          <a:lnRef idx="2">
+            <a:schemeClr val="dk1">
+              <a:shade val="50000"/>
+            </a:schemeClr>
+          </a:lnRef>
+          <a:fillRef idx="1">
+            <a:schemeClr val="dk1"/>
+          </a:fillRef>
+          <a:effectRef idx="0">
+            <a:schemeClr val="dk1"/>
+          </a:effectRef>
+          <a:fontRef idx="minor">
+            <a:schemeClr val="lt1"/>
+          </a:fontRef>
+        </p:style>
+        <p:txBody>
+          <a:bodyPr rtlCol="0" anchor="ctr"/>
+          <a:lstStyle/>
+          <a:p>
+            <a:pPr algn="ctr"/>
+            <a:endParaRPr lang="ru-RU">
+              <a:solidFill>
+                <a:schemeClr val="tx1"/>
+              </a:solidFill>
+            </a:endParaRPr>
+          </a:p>
+        </p:txBody>
+      </p:sp>
+      <p:sp>
+        <p:nvSpPr>
+          <p:cNvPr id="29" name="Выгнутая влево стрелка 28"/>
+          <p:cNvSpPr/>
+          <p:nvPr/>
+        </p:nvSpPr>
+        <p:spPr>
+          <a:xfrm rot="1185843" flipH="1" flipV="1">
+            <a:off x="11348336" y="3254718"/>
+            <a:ext cx="681182" cy="1964854"/>
+          </a:xfrm>
+          <a:prstGeom prst="curvedRightArrow">
+            <a:avLst/>
+          </a:prstGeom>
+          <a:ln>
+            <a:solidFill>
+              <a:schemeClr val="bg1">
+                <a:lumMod val="50000"/>
+              </a:schemeClr>
+            </a:solidFill>
+          </a:ln>
+        </p:spPr>
+        <p:style>
+          <a:lnRef idx="2">
+            <a:schemeClr val="dk1">
+              <a:shade val="50000"/>
+            </a:schemeClr>
+          </a:lnRef>
+          <a:fillRef idx="1">
+            <a:schemeClr val="dk1"/>
+          </a:fillRef>
+          <a:effectRef idx="0">
+            <a:schemeClr val="dk1"/>
+          </a:effectRef>
+          <a:fontRef idx="minor">
+            <a:schemeClr val="lt1"/>
+          </a:fontRef>
+        </p:style>
+        <p:txBody>
+          <a:bodyPr rtlCol="0" anchor="ctr"/>
+          <a:lstStyle/>
+          <a:p>
+            <a:pPr algn="ctr"/>
+            <a:endParaRPr lang="ru-RU">
+              <a:solidFill>
+                <a:schemeClr val="tx1"/>
+              </a:solidFill>
+            </a:endParaRPr>
+          </a:p>
+        </p:txBody>
+      </p:sp>
+      <p:sp>
+        <p:nvSpPr>
+          <p:cNvPr id="36" name="Стрелка вправо 35"/>
+          <p:cNvSpPr/>
+          <p:nvPr/>
+        </p:nvSpPr>
+        <p:spPr>
+          <a:xfrm>
+            <a:off x="5555531" y="4647828"/>
+            <a:ext cx="485012" cy="479548"/>
+          </a:xfrm>
+          <a:prstGeom prst="rightArrow">
+            <a:avLst/>
+          </a:prstGeom>
+          <a:ln>
+            <a:solidFill>
+              <a:schemeClr val="bg1">
+                <a:lumMod val="50000"/>
+              </a:schemeClr>
+            </a:solidFill>
+          </a:ln>
+        </p:spPr>
+        <p:style>
+          <a:lnRef idx="2">
+            <a:schemeClr val="dk1">
+              <a:shade val="50000"/>
+            </a:schemeClr>
+          </a:lnRef>
+          <a:fillRef idx="1">
+            <a:schemeClr val="dk1"/>
+          </a:fillRef>
+          <a:effectRef idx="0">
+            <a:schemeClr val="dk1"/>
+          </a:effectRef>
+          <a:fontRef idx="minor">
+            <a:schemeClr val="lt1"/>
+          </a:fontRef>
+        </p:style>
+        <p:txBody>
+          <a:bodyPr rtlCol="0" anchor="ctr"/>
+          <a:lstStyle/>
+          <a:p>
+            <a:pPr algn="ctr"/>
+            <a:endParaRPr lang="ru-RU"/>
+          </a:p>
+        </p:txBody>
+      </p:sp>
+      <p:pic>
+        <p:nvPicPr>
+          <p:cNvPr id="37" name="Рисунок 36"/>
+          <p:cNvPicPr>
+            <a:picLocks noChangeAspect="1"/>
+          </p:cNvPicPr>
+          <p:nvPr/>
+        </p:nvPicPr>
+        <p:blipFill>
+          <a:blip r:embed="rId3">
+            <a:extLst>
+              <a:ext uri="{28A0092B-C50C-407E-A947-70E740481C1C}">
+                <a14:useLocalDpi xmlns:a14="http://schemas.microsoft.com/office/drawing/2010/main" val="0"/>
+              </a:ext>
+            </a:extLst>
+          </a:blip>
+          <a:stretch>
+            <a:fillRect/>
+          </a:stretch>
+        </p:blipFill>
+        <p:spPr>
+          <a:xfrm>
+            <a:off x="793805" y="4903658"/>
+            <a:ext cx="612000" cy="612000"/>
+          </a:xfrm>
+          <a:prstGeom prst="rect">
+            <a:avLst/>
+          </a:prstGeom>
+        </p:spPr>
+      </p:pic>
+      <p:pic>
+        <p:nvPicPr>
+          <p:cNvPr id="38" name="Рисунок 37"/>
+          <p:cNvPicPr>
+            <a:picLocks noChangeAspect="1"/>
+          </p:cNvPicPr>
+          <p:nvPr/>
+        </p:nvPicPr>
+        <p:blipFill>
+          <a:blip r:embed="rId4">
+            <a:extLst>
+              <a:ext uri="{28A0092B-C50C-407E-A947-70E740481C1C}">
+                <a14:useLocalDpi xmlns:a14="http://schemas.microsoft.com/office/drawing/2010/main" val="0"/>
+              </a:ext>
+            </a:extLst>
+          </a:blip>
+          <a:stretch>
+            <a:fillRect/>
+          </a:stretch>
+        </p:blipFill>
+        <p:spPr>
+          <a:xfrm>
+            <a:off x="593724" y="2354592"/>
+            <a:ext cx="609653" cy="609653"/>
+          </a:xfrm>
+          <a:prstGeom prst="rect">
+            <a:avLst/>
+          </a:prstGeom>
+        </p:spPr>
+      </p:pic>
+      <p:pic>
+        <p:nvPicPr>
+          <p:cNvPr id="39" name="Рисунок 38"/>
+          <p:cNvPicPr>
+            <a:picLocks noChangeAspect="1"/>
+          </p:cNvPicPr>
+          <p:nvPr/>
+        </p:nvPicPr>
+        <p:blipFill>
+          <a:blip r:embed="rId5">
+            <a:extLst>
+              <a:ext uri="{28A0092B-C50C-407E-A947-70E740481C1C}">
+                <a14:useLocalDpi xmlns:a14="http://schemas.microsoft.com/office/drawing/2010/main" val="0"/>
+              </a:ext>
+            </a:extLst>
+          </a:blip>
+          <a:stretch>
+            <a:fillRect/>
+          </a:stretch>
+        </p:blipFill>
+        <p:spPr>
+          <a:xfrm>
+            <a:off x="10150343" y="4921792"/>
+            <a:ext cx="609524" cy="609524"/>
+          </a:xfrm>
+          <a:prstGeom prst="rect">
+            <a:avLst/>
+          </a:prstGeom>
+        </p:spPr>
+      </p:pic>
+      <p:pic>
+        <p:nvPicPr>
+          <p:cNvPr id="40" name="Рисунок 39"/>
+          <p:cNvPicPr>
+            <a:picLocks noChangeAspect="1"/>
+          </p:cNvPicPr>
+          <p:nvPr/>
+        </p:nvPicPr>
+        <p:blipFill>
+          <a:blip r:embed="rId6">
+            <a:extLst>
+              <a:ext uri="{28A0092B-C50C-407E-A947-70E740481C1C}">
+                <a14:useLocalDpi xmlns:a14="http://schemas.microsoft.com/office/drawing/2010/main" val="0"/>
+              </a:ext>
+            </a:extLst>
+          </a:blip>
+          <a:stretch>
+            <a:fillRect/>
+          </a:stretch>
+        </p:blipFill>
+        <p:spPr>
+          <a:xfrm>
+            <a:off x="11137434" y="2354592"/>
+            <a:ext cx="609653" cy="609653"/>
+          </a:xfrm>
+          <a:prstGeom prst="rect">
+            <a:avLst/>
+          </a:prstGeom>
+        </p:spPr>
+      </p:pic>
+      <p:pic>
+        <p:nvPicPr>
+          <p:cNvPr id="30" name="Рисунок 29"/>
+          <p:cNvPicPr/>
+          <p:nvPr/>
+        </p:nvPicPr>
+        <p:blipFill rotWithShape="1">
+          <a:blip r:embed="rId7"/>
+          <a:srcRect l="9449" r="10787"/>
+          <a:stretch/>
+        </p:blipFill>
+        <p:spPr>
+          <a:xfrm>
+            <a:off x="1778952" y="1553412"/>
+            <a:ext cx="3656604" cy="2159815"/>
+          </a:xfrm>
+          <a:prstGeom prst="rect">
+            <a:avLst/>
+          </a:prstGeom>
+        </p:spPr>
+      </p:pic>
+      <p:pic>
+        <p:nvPicPr>
+          <p:cNvPr id="33" name="Рисунок 32"/>
+          <p:cNvPicPr/>
+          <p:nvPr/>
+        </p:nvPicPr>
+        <p:blipFill rotWithShape="1">
+          <a:blip r:embed="rId8"/>
+          <a:srcRect l="40344"/>
+          <a:stretch/>
+        </p:blipFill>
+        <p:spPr>
+          <a:xfrm>
+            <a:off x="1855087" y="3823750"/>
+            <a:ext cx="3568479" cy="2159815"/>
+          </a:xfrm>
+          <a:prstGeom prst="rect">
+            <a:avLst/>
+          </a:prstGeom>
+        </p:spPr>
+      </p:pic>
+      <p:pic>
+        <p:nvPicPr>
+          <p:cNvPr id="35" name="Рисунок 34"/>
+          <p:cNvPicPr/>
+          <p:nvPr/>
+        </p:nvPicPr>
+        <p:blipFill>
+          <a:blip r:embed="rId9"/>
+          <a:stretch>
+            <a:fillRect/>
+          </a:stretch>
+        </p:blipFill>
+        <p:spPr>
+          <a:xfrm>
+            <a:off x="6273803" y="3713227"/>
+            <a:ext cx="3374818" cy="2348750"/>
+          </a:xfrm>
+          <a:prstGeom prst="rect">
+            <a:avLst/>
+          </a:prstGeom>
+        </p:spPr>
+      </p:pic>
+      <p:pic>
+        <p:nvPicPr>
+          <p:cNvPr id="43" name="Рисунок 42"/>
+          <p:cNvPicPr/>
+          <p:nvPr/>
+        </p:nvPicPr>
+        <p:blipFill rotWithShape="1">
+          <a:blip r:embed="rId10" cstate="print">
+            <a:extLst>
+              <a:ext uri="{28A0092B-C50C-407E-A947-70E740481C1C}">
+                <a14:useLocalDpi xmlns:a14="http://schemas.microsoft.com/office/drawing/2010/main" val="0"/>
+              </a:ext>
+            </a:extLst>
+          </a:blip>
+          <a:srcRect t="15883"/>
+          <a:stretch/>
+        </p:blipFill>
+        <p:spPr>
+          <a:xfrm>
+            <a:off x="6273803" y="1409224"/>
+            <a:ext cx="3290356" cy="2259134"/>
+          </a:xfrm>
+          <a:prstGeom prst="rect">
+            <a:avLst/>
+          </a:prstGeom>
+        </p:spPr>
+      </p:pic>
+    </p:spTree>
+    <p:extLst>
+      <p:ext uri="{BB962C8B-B14F-4D97-AF65-F5344CB8AC3E}">
+        <p14:creationId xmlns:p14="http://schemas.microsoft.com/office/powerpoint/2010/main" val="3722990141"/>
+      </p:ext>
+    </p:extLst>
+  </p:cSld>
+  <p:clrMapOvr>
+    <a:masterClrMapping/>
+  </p:clrMapOvr>
+  <p:timing>
+    <p:tnLst>
+      <p:par>
+        <p:cTn id="1" dur="indefinite" restart="never" nodeType="tmRoot"/>
+      </p:par>
+    </p:tnLst>
+  </p:timing>
+</p:sld>
+</file>
+
+<file path=ppt/slides/slide12.xml><?xml version="1.0" encoding="utf-8"?>
 <p:sld xmlns:a="http://schemas.openxmlformats.org/drawingml/2006/main" xmlns:r="http://schemas.openxmlformats.org/officeDocument/2006/relationships" xmlns:p="http://schemas.openxmlformats.org/presentationml/2006/main">
   <p:cSld>
     <p:spTree>
@@ -5499,7 +6485,7 @@
 </p:sld>
 </file>
 
-<file path=ppt/slides/slide12.xml><?xml version="1.0" encoding="utf-8"?>
+<file path=ppt/slides/slide13.xml><?xml version="1.0" encoding="utf-8"?>
 <p:sld xmlns:a="http://schemas.openxmlformats.org/drawingml/2006/main" xmlns:r="http://schemas.openxmlformats.org/officeDocument/2006/relationships" xmlns:p="http://schemas.openxmlformats.org/presentationml/2006/main">
   <p:cSld>
     <p:spTree>
@@ -6371,237 +7357,6 @@
     <p:extLst>
       <p:ext uri="{BB962C8B-B14F-4D97-AF65-F5344CB8AC3E}">
         <p14:creationId xmlns:p14="http://schemas.microsoft.com/office/powerpoint/2010/main" val="3973563525"/>
-      </p:ext>
-    </p:extLst>
-  </p:cSld>
-  <p:clrMapOvr>
-    <a:masterClrMapping/>
-  </p:clrMapOvr>
-  <p:timing>
-    <p:tnLst>
-      <p:par>
-        <p:cTn id="1" dur="indefinite" restart="never" nodeType="tmRoot"/>
-      </p:par>
-    </p:tnLst>
-  </p:timing>
-</p:sld>
-</file>
-
-<file path=ppt/slides/slide13.xml><?xml version="1.0" encoding="utf-8"?>
-<p:sld xmlns:a="http://schemas.openxmlformats.org/drawingml/2006/main" xmlns:r="http://schemas.openxmlformats.org/officeDocument/2006/relationships" xmlns:p="http://schemas.openxmlformats.org/presentationml/2006/main">
-  <p:cSld>
-    <p:spTree>
-      <p:nvGrpSpPr>
-        <p:cNvPr id="1" name=""/>
-        <p:cNvGrpSpPr/>
-        <p:nvPr/>
-      </p:nvGrpSpPr>
-      <p:grpSpPr>
-        <a:xfrm>
-          <a:off x="0" y="0"/>
-          <a:ext cx="0" cy="0"/>
-          <a:chOff x="0" y="0"/>
-          <a:chExt cx="0" cy="0"/>
-        </a:xfrm>
-      </p:grpSpPr>
-      <p:sp>
-        <p:nvSpPr>
-          <p:cNvPr id="4" name="Прямоугольник 3"/>
-          <p:cNvSpPr/>
-          <p:nvPr/>
-        </p:nvSpPr>
-        <p:spPr>
-          <a:xfrm>
-            <a:off x="277920" y="638622"/>
-            <a:ext cx="10894329" cy="646331"/>
-          </a:xfrm>
-          <a:prstGeom prst="rect">
-            <a:avLst/>
-          </a:prstGeom>
-        </p:spPr>
-        <p:txBody>
-          <a:bodyPr wrap="none">
-            <a:spAutoFit/>
-          </a:bodyPr>
-          <a:lstStyle/>
-          <a:p>
-            <a:pPr>
-              <a:spcAft>
-                <a:spcPts val="0"/>
-              </a:spcAft>
-            </a:pPr>
-            <a:r>
-              <a:rPr lang="ru-RU" sz="3600" dirty="0">
-                <a:latin typeface="Junegull" panose="04010000000000000000" pitchFamily="82" charset="-52"/>
-                <a:ea typeface="Times New Roman" panose="02020603050405020304" pitchFamily="18" charset="0"/>
-              </a:rPr>
-              <a:t>Требования к производственным ресурсам</a:t>
-            </a:r>
-          </a:p>
-        </p:txBody>
-      </p:sp>
-      <p:sp>
-        <p:nvSpPr>
-          <p:cNvPr id="5" name="Прямоугольник 4"/>
-          <p:cNvSpPr/>
-          <p:nvPr/>
-        </p:nvSpPr>
-        <p:spPr>
-          <a:xfrm>
-            <a:off x="401882" y="1942624"/>
-            <a:ext cx="11390068" cy="3046988"/>
-          </a:xfrm>
-          <a:prstGeom prst="rect">
-            <a:avLst/>
-          </a:prstGeom>
-        </p:spPr>
-        <p:txBody>
-          <a:bodyPr wrap="square">
-            <a:spAutoFit/>
-          </a:bodyPr>
-          <a:lstStyle/>
-          <a:p>
-            <a:pPr algn="just">
-              <a:spcAft>
-                <a:spcPts val="0"/>
-              </a:spcAft>
-            </a:pPr>
-            <a:r>
-              <a:rPr lang="ru-RU" sz="2400" dirty="0" smtClean="0">
-                <a:latin typeface="Comic Sans MS" panose="030F0702030302020204" pitchFamily="66" charset="0"/>
-                <a:ea typeface="Times New Roman" panose="02020603050405020304" pitchFamily="18" charset="0"/>
-              </a:rPr>
-              <a:t>ПО </a:t>
-            </a:r>
-            <a:r>
-              <a:rPr lang="ru-RU" sz="2400" dirty="0">
-                <a:latin typeface="Comic Sans MS" panose="030F0702030302020204" pitchFamily="66" charset="0"/>
-                <a:ea typeface="Times New Roman" panose="02020603050405020304" pitchFamily="18" charset="0"/>
-              </a:rPr>
-              <a:t>«</a:t>
-            </a:r>
-            <a:r>
-              <a:rPr lang="ru-RU" sz="2400" dirty="0" err="1">
-                <a:latin typeface="Comic Sans MS" panose="030F0702030302020204" pitchFamily="66" charset="0"/>
-                <a:ea typeface="Times New Roman" panose="02020603050405020304" pitchFamily="18" charset="0"/>
-              </a:rPr>
-              <a:t>SmartGetDistance</a:t>
-            </a:r>
-            <a:r>
-              <a:rPr lang="ru-RU" sz="2400" dirty="0">
-                <a:latin typeface="Comic Sans MS" panose="030F0702030302020204" pitchFamily="66" charset="0"/>
-                <a:ea typeface="Times New Roman" panose="02020603050405020304" pitchFamily="18" charset="0"/>
-              </a:rPr>
-              <a:t>» должно быть разработано с использованием нейронных сетей. ПО «</a:t>
-            </a:r>
-            <a:r>
-              <a:rPr lang="ru-RU" sz="2400" dirty="0" err="1">
-                <a:latin typeface="Comic Sans MS" panose="030F0702030302020204" pitchFamily="66" charset="0"/>
-                <a:ea typeface="Times New Roman" panose="02020603050405020304" pitchFamily="18" charset="0"/>
-              </a:rPr>
-              <a:t>SmartGetDistance</a:t>
-            </a:r>
-            <a:r>
-              <a:rPr lang="ru-RU" sz="2400" dirty="0">
-                <a:latin typeface="Comic Sans MS" panose="030F0702030302020204" pitchFamily="66" charset="0"/>
-                <a:ea typeface="Times New Roman" panose="02020603050405020304" pitchFamily="18" charset="0"/>
-              </a:rPr>
-              <a:t>» должно быть работоспособно под управлением следующих операционных систем: семейства </a:t>
-            </a:r>
-            <a:r>
-              <a:rPr lang="ru-RU" sz="2400" dirty="0" err="1">
-                <a:latin typeface="Comic Sans MS" panose="030F0702030302020204" pitchFamily="66" charset="0"/>
-                <a:ea typeface="Times New Roman" panose="02020603050405020304" pitchFamily="18" charset="0"/>
-              </a:rPr>
-              <a:t>Windows</a:t>
-            </a:r>
-            <a:r>
-              <a:rPr lang="ru-RU" sz="2400" dirty="0">
-                <a:latin typeface="Comic Sans MS" panose="030F0702030302020204" pitchFamily="66" charset="0"/>
-                <a:ea typeface="Times New Roman" panose="02020603050405020304" pitchFamily="18" charset="0"/>
-              </a:rPr>
-              <a:t> с 2007г и младше. Машина должна работать на графических процессорах NVIDIA серии </a:t>
-            </a:r>
-            <a:r>
-              <a:rPr lang="ru-RU" sz="2400" dirty="0" err="1">
-                <a:latin typeface="Comic Sans MS" panose="030F0702030302020204" pitchFamily="66" charset="0"/>
-                <a:ea typeface="Times New Roman" panose="02020603050405020304" pitchFamily="18" charset="0"/>
-              </a:rPr>
-              <a:t>GeForce</a:t>
-            </a:r>
-            <a:r>
-              <a:rPr lang="ru-RU" sz="2400" dirty="0">
-                <a:latin typeface="Comic Sans MS" panose="030F0702030302020204" pitchFamily="66" charset="0"/>
-                <a:ea typeface="Times New Roman" panose="02020603050405020304" pitchFamily="18" charset="0"/>
-              </a:rPr>
-              <a:t> и видеокартах, построенных на официальных спецификациях NVIDIA. На ОС должны быть установлены все библиотеки, необходимые для функционирования ПО «</a:t>
-            </a:r>
-            <a:r>
-              <a:rPr lang="ru-RU" sz="2400" dirty="0" err="1">
-                <a:latin typeface="Comic Sans MS" panose="030F0702030302020204" pitchFamily="66" charset="0"/>
-                <a:ea typeface="Times New Roman" panose="02020603050405020304" pitchFamily="18" charset="0"/>
-              </a:rPr>
-              <a:t>SmartGetDistance</a:t>
-            </a:r>
-            <a:r>
-              <a:rPr lang="ru-RU" sz="2400" dirty="0">
-                <a:latin typeface="Comic Sans MS" panose="030F0702030302020204" pitchFamily="66" charset="0"/>
-                <a:ea typeface="Times New Roman" panose="02020603050405020304" pitchFamily="18" charset="0"/>
-              </a:rPr>
-              <a:t>».</a:t>
-            </a:r>
-          </a:p>
-        </p:txBody>
-      </p:sp>
-      <p:cxnSp>
-        <p:nvCxnSpPr>
-          <p:cNvPr id="3" name="Прямая соединительная линия 2"/>
-          <p:cNvCxnSpPr/>
-          <p:nvPr/>
-        </p:nvCxnSpPr>
-        <p:spPr>
-          <a:xfrm>
-            <a:off x="401882" y="1523524"/>
-            <a:ext cx="7311600" cy="0"/>
-          </a:xfrm>
-          <a:prstGeom prst="line">
-            <a:avLst/>
-          </a:prstGeom>
-          <a:ln w="152400" cmpd="dbl">
-            <a:solidFill>
-              <a:schemeClr val="bg1">
-                <a:lumMod val="50000"/>
-                <a:alpha val="51000"/>
-              </a:schemeClr>
-            </a:solidFill>
-          </a:ln>
-          <a:effectLst>
-            <a:outerShdw blurRad="63500" sx="1000" sy="1000" algn="ctr" rotWithShape="0">
-              <a:prstClr val="black">
-                <a:alpha val="40000"/>
-              </a:prstClr>
-            </a:outerShdw>
-          </a:effectLst>
-        </p:spPr>
-        <p:style>
-          <a:lnRef idx="1">
-            <a:schemeClr val="accent1"/>
-          </a:lnRef>
-          <a:fillRef idx="0">
-            <a:schemeClr val="accent1"/>
-          </a:fillRef>
-          <a:effectRef idx="0">
-            <a:schemeClr val="accent1"/>
-          </a:effectRef>
-          <a:fontRef idx="minor">
-            <a:schemeClr val="tx1"/>
-          </a:fontRef>
-        </p:style>
-      </p:cxnSp>
-    </p:spTree>
-    <p:extLst>
-      <p:ext uri="{BB962C8B-B14F-4D97-AF65-F5344CB8AC3E}">
-        <p14:creationId xmlns:p14="http://schemas.microsoft.com/office/powerpoint/2010/main" val="1795498703"/>
       </p:ext>
     </p:extLst>
   </p:cSld>
@@ -7882,6 +8637,611 @@
         </p:nvSpPr>
         <p:spPr>
           <a:xfrm>
+            <a:off x="401882" y="192346"/>
+            <a:ext cx="4325223" cy="769441"/>
+          </a:xfrm>
+          <a:prstGeom prst="rect">
+            <a:avLst/>
+          </a:prstGeom>
+        </p:spPr>
+        <p:txBody>
+          <a:bodyPr wrap="none">
+            <a:spAutoFit/>
+          </a:bodyPr>
+          <a:lstStyle/>
+          <a:p>
+            <a:pPr>
+              <a:spcAft>
+                <a:spcPts val="0"/>
+              </a:spcAft>
+            </a:pPr>
+            <a:r>
+              <a:rPr lang="ru-RU" sz="4400" dirty="0" smtClean="0">
+                <a:latin typeface="Junegull" panose="04010000000000000000" pitchFamily="82" charset="-52"/>
+                <a:ea typeface="Times New Roman" panose="02020603050405020304" pitchFamily="18" charset="0"/>
+              </a:rPr>
+              <a:t>Роли проекта</a:t>
+            </a:r>
+            <a:endParaRPr lang="ru-RU" sz="4400" dirty="0">
+              <a:latin typeface="Junegull" panose="04010000000000000000" pitchFamily="82" charset="-52"/>
+              <a:ea typeface="Times New Roman" panose="02020603050405020304" pitchFamily="18" charset="0"/>
+            </a:endParaRPr>
+          </a:p>
+        </p:txBody>
+      </p:sp>
+      <p:cxnSp>
+        <p:nvCxnSpPr>
+          <p:cNvPr id="5" name="Прямая соединительная линия 4"/>
+          <p:cNvCxnSpPr/>
+          <p:nvPr/>
+        </p:nvCxnSpPr>
+        <p:spPr>
+          <a:xfrm>
+            <a:off x="481667" y="961787"/>
+            <a:ext cx="7311600" cy="0"/>
+          </a:xfrm>
+          <a:prstGeom prst="line">
+            <a:avLst/>
+          </a:prstGeom>
+          <a:ln w="152400" cmpd="dbl">
+            <a:solidFill>
+              <a:schemeClr val="bg1">
+                <a:lumMod val="50000"/>
+                <a:alpha val="51000"/>
+              </a:schemeClr>
+            </a:solidFill>
+          </a:ln>
+          <a:effectLst>
+            <a:outerShdw blurRad="63500" sx="1000" sy="1000" algn="ctr" rotWithShape="0">
+              <a:prstClr val="black">
+                <a:alpha val="40000"/>
+              </a:prstClr>
+            </a:outerShdw>
+          </a:effectLst>
+        </p:spPr>
+        <p:style>
+          <a:lnRef idx="1">
+            <a:schemeClr val="accent1"/>
+          </a:lnRef>
+          <a:fillRef idx="0">
+            <a:schemeClr val="accent1"/>
+          </a:fillRef>
+          <a:effectRef idx="0">
+            <a:schemeClr val="accent1"/>
+          </a:effectRef>
+          <a:fontRef idx="minor">
+            <a:schemeClr val="tx1"/>
+          </a:fontRef>
+        </p:style>
+      </p:cxnSp>
+      <p:pic>
+        <p:nvPicPr>
+          <p:cNvPr id="6" name="Рисунок 5"/>
+          <p:cNvPicPr>
+            <a:picLocks noChangeAspect="1"/>
+          </p:cNvPicPr>
+          <p:nvPr/>
+        </p:nvPicPr>
+        <p:blipFill>
+          <a:blip r:embed="rId2">
+            <a:extLst>
+              <a:ext uri="{28A0092B-C50C-407E-A947-70E740481C1C}">
+                <a14:useLocalDpi xmlns:a14="http://schemas.microsoft.com/office/drawing/2010/main" val="0"/>
+              </a:ext>
+            </a:extLst>
+          </a:blip>
+          <a:stretch>
+            <a:fillRect/>
+          </a:stretch>
+        </p:blipFill>
+        <p:spPr>
+          <a:xfrm>
+            <a:off x="2923425" y="1234450"/>
+            <a:ext cx="1052498" cy="1052498"/>
+          </a:xfrm>
+          <a:prstGeom prst="rect">
+            <a:avLst/>
+          </a:prstGeom>
+        </p:spPr>
+      </p:pic>
+      <p:pic>
+        <p:nvPicPr>
+          <p:cNvPr id="9" name="Рисунок 8"/>
+          <p:cNvPicPr>
+            <a:picLocks noChangeAspect="1"/>
+          </p:cNvPicPr>
+          <p:nvPr/>
+        </p:nvPicPr>
+        <p:blipFill>
+          <a:blip r:embed="rId3">
+            <a:extLst>
+              <a:ext uri="{28A0092B-C50C-407E-A947-70E740481C1C}">
+                <a14:useLocalDpi xmlns:a14="http://schemas.microsoft.com/office/drawing/2010/main" val="0"/>
+              </a:ext>
+            </a:extLst>
+          </a:blip>
+          <a:stretch>
+            <a:fillRect/>
+          </a:stretch>
+        </p:blipFill>
+        <p:spPr>
+          <a:xfrm>
+            <a:off x="884238" y="5348972"/>
+            <a:ext cx="804698" cy="804698"/>
+          </a:xfrm>
+          <a:prstGeom prst="rect">
+            <a:avLst/>
+          </a:prstGeom>
+        </p:spPr>
+      </p:pic>
+      <p:sp>
+        <p:nvSpPr>
+          <p:cNvPr id="10" name="Прямоугольник 9"/>
+          <p:cNvSpPr/>
+          <p:nvPr/>
+        </p:nvSpPr>
+        <p:spPr>
+          <a:xfrm>
+            <a:off x="401882" y="4780483"/>
+            <a:ext cx="1701458" cy="523220"/>
+          </a:xfrm>
+          <a:prstGeom prst="rect">
+            <a:avLst/>
+          </a:prstGeom>
+        </p:spPr>
+        <p:txBody>
+          <a:bodyPr wrap="square">
+            <a:spAutoFit/>
+          </a:bodyPr>
+          <a:lstStyle/>
+          <a:p>
+            <a:pPr algn="ctr"/>
+            <a:r>
+              <a:rPr lang="ru-RU" sz="1400" b="1" dirty="0" smtClean="0">
+                <a:latin typeface="Comic Sans MS" panose="030F0702030302020204" pitchFamily="66" charset="0"/>
+                <a:ea typeface="Times New Roman" panose="02020603050405020304" pitchFamily="18" charset="0"/>
+              </a:rPr>
+              <a:t>Квалификация </a:t>
+            </a:r>
+            <a:endParaRPr lang="en-US" sz="1400" b="1" dirty="0" smtClean="0">
+              <a:latin typeface="Comic Sans MS" panose="030F0702030302020204" pitchFamily="66" charset="0"/>
+              <a:ea typeface="Times New Roman" panose="02020603050405020304" pitchFamily="18" charset="0"/>
+            </a:endParaRPr>
+          </a:p>
+          <a:p>
+            <a:pPr algn="ctr"/>
+            <a:r>
+              <a:rPr lang="ru-RU" sz="1400" b="1" dirty="0" smtClean="0">
+                <a:latin typeface="Comic Sans MS" panose="030F0702030302020204" pitchFamily="66" charset="0"/>
+                <a:ea typeface="Times New Roman" panose="02020603050405020304" pitchFamily="18" charset="0"/>
+              </a:rPr>
+              <a:t>сотрудников</a:t>
+            </a:r>
+            <a:endParaRPr lang="ru-RU" sz="1400" b="1" dirty="0">
+              <a:latin typeface="Comic Sans MS" panose="030F0702030302020204" pitchFamily="66" charset="0"/>
+            </a:endParaRPr>
+          </a:p>
+        </p:txBody>
+      </p:sp>
+      <p:pic>
+        <p:nvPicPr>
+          <p:cNvPr id="11" name="Рисунок 10"/>
+          <p:cNvPicPr>
+            <a:picLocks noChangeAspect="1"/>
+          </p:cNvPicPr>
+          <p:nvPr/>
+        </p:nvPicPr>
+        <p:blipFill>
+          <a:blip r:embed="rId2">
+            <a:extLst>
+              <a:ext uri="{28A0092B-C50C-407E-A947-70E740481C1C}">
+                <a14:useLocalDpi xmlns:a14="http://schemas.microsoft.com/office/drawing/2010/main" val="0"/>
+              </a:ext>
+            </a:extLst>
+          </a:blip>
+          <a:stretch>
+            <a:fillRect/>
+          </a:stretch>
+        </p:blipFill>
+        <p:spPr>
+          <a:xfrm>
+            <a:off x="9770294" y="1234450"/>
+            <a:ext cx="1052498" cy="1052498"/>
+          </a:xfrm>
+          <a:prstGeom prst="rect">
+            <a:avLst/>
+          </a:prstGeom>
+        </p:spPr>
+      </p:pic>
+      <p:pic>
+        <p:nvPicPr>
+          <p:cNvPr id="12" name="Рисунок 11"/>
+          <p:cNvPicPr>
+            <a:picLocks noChangeAspect="1"/>
+          </p:cNvPicPr>
+          <p:nvPr/>
+        </p:nvPicPr>
+        <p:blipFill>
+          <a:blip r:embed="rId2">
+            <a:extLst>
+              <a:ext uri="{28A0092B-C50C-407E-A947-70E740481C1C}">
+                <a14:useLocalDpi xmlns:a14="http://schemas.microsoft.com/office/drawing/2010/main" val="0"/>
+              </a:ext>
+            </a:extLst>
+          </a:blip>
+          <a:stretch>
+            <a:fillRect/>
+          </a:stretch>
+        </p:blipFill>
+        <p:spPr>
+          <a:xfrm>
+            <a:off x="6067353" y="1234450"/>
+            <a:ext cx="1052498" cy="1052498"/>
+          </a:xfrm>
+          <a:prstGeom prst="rect">
+            <a:avLst/>
+          </a:prstGeom>
+        </p:spPr>
+      </p:pic>
+      <p:sp>
+        <p:nvSpPr>
+          <p:cNvPr id="13" name="Прямоугольник 12"/>
+          <p:cNvSpPr/>
+          <p:nvPr/>
+        </p:nvSpPr>
+        <p:spPr>
+          <a:xfrm>
+            <a:off x="2457454" y="2502936"/>
+            <a:ext cx="1803680" cy="1323439"/>
+          </a:xfrm>
+          <a:prstGeom prst="rect">
+            <a:avLst/>
+          </a:prstGeom>
+        </p:spPr>
+        <p:txBody>
+          <a:bodyPr wrap="square">
+            <a:spAutoFit/>
+          </a:bodyPr>
+          <a:lstStyle/>
+          <a:p>
+            <a:pPr algn="just"/>
+            <a:r>
+              <a:rPr lang="ru-RU" sz="1600" b="1" dirty="0">
+                <a:solidFill>
+                  <a:srgbClr val="000000"/>
+                </a:solidFill>
+                <a:latin typeface="Comic Sans MS" panose="030F0702030302020204" pitchFamily="66" charset="0"/>
+              </a:rPr>
+              <a:t>Развертка </a:t>
+            </a:r>
+            <a:r>
+              <a:rPr lang="ru-RU" sz="1600" b="1" dirty="0" smtClean="0">
+                <a:solidFill>
+                  <a:srgbClr val="000000"/>
+                </a:solidFill>
+                <a:latin typeface="Comic Sans MS" panose="030F0702030302020204" pitchFamily="66" charset="0"/>
+              </a:rPr>
+              <a:t>нейронной </a:t>
+            </a:r>
+            <a:r>
+              <a:rPr lang="ru-RU" sz="1600" b="1" dirty="0">
+                <a:solidFill>
+                  <a:srgbClr val="000000"/>
+                </a:solidFill>
+                <a:latin typeface="Comic Sans MS" panose="030F0702030302020204" pitchFamily="66" charset="0"/>
+              </a:rPr>
+              <a:t>сети NVIDIA DIGITS на машине.</a:t>
+            </a:r>
+            <a:endParaRPr lang="ru-RU" sz="1600" b="1" dirty="0">
+              <a:latin typeface="Comic Sans MS" panose="030F0702030302020204" pitchFamily="66" charset="0"/>
+            </a:endParaRPr>
+          </a:p>
+        </p:txBody>
+      </p:sp>
+      <p:sp>
+        <p:nvSpPr>
+          <p:cNvPr id="14" name="Прямоугольник 13"/>
+          <p:cNvSpPr/>
+          <p:nvPr/>
+        </p:nvSpPr>
+        <p:spPr>
+          <a:xfrm>
+            <a:off x="4768765" y="2502936"/>
+            <a:ext cx="3468913" cy="2308324"/>
+          </a:xfrm>
+          <a:prstGeom prst="rect">
+            <a:avLst/>
+          </a:prstGeom>
+        </p:spPr>
+        <p:txBody>
+          <a:bodyPr wrap="square">
+            <a:spAutoFit/>
+          </a:bodyPr>
+          <a:lstStyle/>
+          <a:p>
+            <a:pPr algn="just"/>
+            <a:r>
+              <a:rPr lang="ru-RU" sz="1600" b="1" dirty="0">
+                <a:solidFill>
+                  <a:srgbClr val="000000"/>
+                </a:solidFill>
+                <a:latin typeface="Comic Sans MS" panose="030F0702030302020204" pitchFamily="66" charset="0"/>
+              </a:rPr>
+              <a:t>П</a:t>
+            </a:r>
+            <a:r>
+              <a:rPr lang="ru-RU" sz="1600" b="1" dirty="0" smtClean="0">
+                <a:solidFill>
+                  <a:srgbClr val="000000"/>
+                </a:solidFill>
+                <a:latin typeface="Comic Sans MS" panose="030F0702030302020204" pitchFamily="66" charset="0"/>
+              </a:rPr>
+              <a:t>одготовка </a:t>
+            </a:r>
+            <a:r>
+              <a:rPr lang="ru-RU" sz="1600" b="1" dirty="0">
+                <a:solidFill>
+                  <a:srgbClr val="000000"/>
+                </a:solidFill>
+                <a:latin typeface="Comic Sans MS" panose="030F0702030302020204" pitchFamily="66" charset="0"/>
+              </a:rPr>
+              <a:t>данных, подающихся на вход нейронной сети. Прием и верификация данных. Конвертация корректных выходных данных во входные данные нейронной сети при </a:t>
+            </a:r>
+            <a:r>
+              <a:rPr lang="ru-RU" sz="1600" b="1" dirty="0" err="1">
+                <a:solidFill>
+                  <a:srgbClr val="000000"/>
+                </a:solidFill>
+                <a:latin typeface="Comic Sans MS" panose="030F0702030302020204" pitchFamily="66" charset="0"/>
+              </a:rPr>
+              <a:t>помоши</a:t>
+            </a:r>
+            <a:r>
+              <a:rPr lang="ru-RU" sz="1600" b="1" dirty="0">
+                <a:solidFill>
+                  <a:srgbClr val="000000"/>
+                </a:solidFill>
+                <a:latin typeface="Comic Sans MS" panose="030F0702030302020204" pitchFamily="66" charset="0"/>
+              </a:rPr>
+              <a:t> предоставляемой программы.</a:t>
+            </a:r>
+            <a:endParaRPr lang="ru-RU" sz="1600" b="1" dirty="0">
+              <a:latin typeface="Comic Sans MS" panose="030F0702030302020204" pitchFamily="66" charset="0"/>
+            </a:endParaRPr>
+          </a:p>
+        </p:txBody>
+      </p:sp>
+      <p:sp>
+        <p:nvSpPr>
+          <p:cNvPr id="15" name="Прямоугольник 14"/>
+          <p:cNvSpPr/>
+          <p:nvPr/>
+        </p:nvSpPr>
+        <p:spPr>
+          <a:xfrm>
+            <a:off x="8502078" y="2502936"/>
+            <a:ext cx="3428296" cy="2800767"/>
+          </a:xfrm>
+          <a:prstGeom prst="rect">
+            <a:avLst/>
+          </a:prstGeom>
+        </p:spPr>
+        <p:txBody>
+          <a:bodyPr wrap="square">
+            <a:spAutoFit/>
+          </a:bodyPr>
+          <a:lstStyle/>
+          <a:p>
+            <a:pPr algn="just"/>
+            <a:r>
+              <a:rPr lang="ru-RU" sz="1600" b="1" dirty="0">
+                <a:solidFill>
+                  <a:srgbClr val="000000"/>
+                </a:solidFill>
+                <a:latin typeface="Comic Sans MS" panose="030F0702030302020204" pitchFamily="66" charset="0"/>
+              </a:rPr>
+              <a:t>Работа с нейронной сетью NVIDIA DIGITS. Обучение\</a:t>
+            </a:r>
+            <a:r>
+              <a:rPr lang="ru-RU" sz="1600" b="1" dirty="0" err="1">
+                <a:solidFill>
+                  <a:srgbClr val="000000"/>
+                </a:solidFill>
+                <a:latin typeface="Comic Sans MS" panose="030F0702030302020204" pitchFamily="66" charset="0"/>
+              </a:rPr>
+              <a:t>дообучение</a:t>
+            </a:r>
+            <a:r>
+              <a:rPr lang="ru-RU" sz="1600" b="1" dirty="0">
+                <a:solidFill>
+                  <a:srgbClr val="000000"/>
+                </a:solidFill>
+                <a:latin typeface="Comic Sans MS" panose="030F0702030302020204" pitchFamily="66" charset="0"/>
+              </a:rPr>
+              <a:t> предоставленной (базовой) нейронной сети на подготовленных данных и анализ полученных результатов. Создание собственных моделей нейронной сети и работа с ними.</a:t>
+            </a:r>
+            <a:endParaRPr lang="ru-RU" sz="1600" b="1" dirty="0">
+              <a:latin typeface="Comic Sans MS" panose="030F0702030302020204" pitchFamily="66" charset="0"/>
+            </a:endParaRPr>
+          </a:p>
+        </p:txBody>
+      </p:sp>
+      <p:sp>
+        <p:nvSpPr>
+          <p:cNvPr id="16" name="Прямоугольник 15"/>
+          <p:cNvSpPr/>
+          <p:nvPr/>
+        </p:nvSpPr>
+        <p:spPr>
+          <a:xfrm>
+            <a:off x="2564493" y="5472084"/>
+            <a:ext cx="1696641" cy="584775"/>
+          </a:xfrm>
+          <a:prstGeom prst="rect">
+            <a:avLst/>
+          </a:prstGeom>
+        </p:spPr>
+        <p:txBody>
+          <a:bodyPr wrap="square">
+            <a:spAutoFit/>
+          </a:bodyPr>
+          <a:lstStyle/>
+          <a:p>
+            <a:pPr algn="just"/>
+            <a:r>
+              <a:rPr lang="ru-RU" sz="1600" b="1" dirty="0" smtClean="0">
+                <a:solidFill>
+                  <a:srgbClr val="000000"/>
+                </a:solidFill>
+                <a:latin typeface="Comic Sans MS" panose="030F0702030302020204" pitchFamily="66" charset="0"/>
+              </a:rPr>
+              <a:t>Системный администратор</a:t>
+            </a:r>
+            <a:endParaRPr lang="ru-RU" sz="1600" b="1" dirty="0">
+              <a:latin typeface="Comic Sans MS" panose="030F0702030302020204" pitchFamily="66" charset="0"/>
+            </a:endParaRPr>
+          </a:p>
+        </p:txBody>
+      </p:sp>
+      <p:sp>
+        <p:nvSpPr>
+          <p:cNvPr id="17" name="Прямоугольник 16"/>
+          <p:cNvSpPr/>
+          <p:nvPr/>
+        </p:nvSpPr>
+        <p:spPr>
+          <a:xfrm>
+            <a:off x="4768765" y="5595194"/>
+            <a:ext cx="3468913" cy="338554"/>
+          </a:xfrm>
+          <a:prstGeom prst="rect">
+            <a:avLst/>
+          </a:prstGeom>
+        </p:spPr>
+        <p:txBody>
+          <a:bodyPr wrap="square">
+            <a:spAutoFit/>
+          </a:bodyPr>
+          <a:lstStyle/>
+          <a:p>
+            <a:pPr algn="just"/>
+            <a:r>
+              <a:rPr lang="ru-RU" sz="1600" b="1" dirty="0" smtClean="0">
+                <a:solidFill>
+                  <a:srgbClr val="000000"/>
+                </a:solidFill>
+                <a:latin typeface="Comic Sans MS" panose="030F0702030302020204" pitchFamily="66" charset="0"/>
+              </a:rPr>
+              <a:t>Уверенный пользователь ПК</a:t>
+            </a:r>
+            <a:endParaRPr lang="ru-RU" sz="1600" b="1" dirty="0">
+              <a:latin typeface="Comic Sans MS" panose="030F0702030302020204" pitchFamily="66" charset="0"/>
+            </a:endParaRPr>
+          </a:p>
+        </p:txBody>
+      </p:sp>
+      <p:sp>
+        <p:nvSpPr>
+          <p:cNvPr id="18" name="Прямоугольник 17"/>
+          <p:cNvSpPr/>
+          <p:nvPr/>
+        </p:nvSpPr>
+        <p:spPr>
+          <a:xfrm>
+            <a:off x="8562087" y="5348972"/>
+            <a:ext cx="3368288" cy="830997"/>
+          </a:xfrm>
+          <a:prstGeom prst="rect">
+            <a:avLst/>
+          </a:prstGeom>
+        </p:spPr>
+        <p:txBody>
+          <a:bodyPr wrap="square">
+            <a:spAutoFit/>
+          </a:bodyPr>
+          <a:lstStyle/>
+          <a:p>
+            <a:pPr algn="just"/>
+            <a:r>
+              <a:rPr lang="ru-RU" sz="1600" b="1" dirty="0" smtClean="0">
+                <a:solidFill>
+                  <a:srgbClr val="000000"/>
+                </a:solidFill>
+                <a:latin typeface="Comic Sans MS" panose="030F0702030302020204" pitchFamily="66" charset="0"/>
+              </a:rPr>
+              <a:t>Уверенный </a:t>
+            </a:r>
+            <a:r>
+              <a:rPr lang="ru-RU" sz="1600" b="1" dirty="0">
+                <a:solidFill>
+                  <a:srgbClr val="000000"/>
+                </a:solidFill>
+                <a:latin typeface="Comic Sans MS" panose="030F0702030302020204" pitchFamily="66" charset="0"/>
+              </a:rPr>
+              <a:t>пользователь </a:t>
+            </a:r>
+            <a:r>
+              <a:rPr lang="ru-RU" sz="1600" b="1" dirty="0" smtClean="0">
+                <a:solidFill>
+                  <a:srgbClr val="000000"/>
+                </a:solidFill>
+                <a:latin typeface="Comic Sans MS" panose="030F0702030302020204" pitchFamily="66" charset="0"/>
+              </a:rPr>
+              <a:t>ПК с </a:t>
+            </a:r>
+            <a:r>
+              <a:rPr lang="ru-RU" sz="1600" b="1" dirty="0">
+                <a:solidFill>
+                  <a:srgbClr val="000000"/>
+                </a:solidFill>
+                <a:latin typeface="Comic Sans MS" panose="030F0702030302020204" pitchFamily="66" charset="0"/>
+              </a:rPr>
+              <a:t>понимание целей и результатов в данной области</a:t>
+            </a:r>
+            <a:endParaRPr lang="ru-RU" sz="1600" b="1" dirty="0">
+              <a:latin typeface="Comic Sans MS" panose="030F0702030302020204" pitchFamily="66" charset="0"/>
+            </a:endParaRPr>
+          </a:p>
+        </p:txBody>
+      </p:sp>
+    </p:spTree>
+    <p:extLst>
+      <p:ext uri="{BB962C8B-B14F-4D97-AF65-F5344CB8AC3E}">
+        <p14:creationId xmlns:p14="http://schemas.microsoft.com/office/powerpoint/2010/main" val="2003931724"/>
+      </p:ext>
+    </p:extLst>
+  </p:cSld>
+  <p:clrMapOvr>
+    <a:masterClrMapping/>
+  </p:clrMapOvr>
+</p:sld>
+</file>
+
+<file path=ppt/slides/slide17.xml><?xml version="1.0" encoding="utf-8"?>
+<p:sld xmlns:a="http://schemas.openxmlformats.org/drawingml/2006/main" xmlns:r="http://schemas.openxmlformats.org/officeDocument/2006/relationships" xmlns:p="http://schemas.openxmlformats.org/presentationml/2006/main">
+  <p:cSld>
+    <p:spTree>
+      <p:nvGrpSpPr>
+        <p:cNvPr id="1" name=""/>
+        <p:cNvGrpSpPr/>
+        <p:nvPr/>
+      </p:nvGrpSpPr>
+      <p:grpSpPr>
+        <a:xfrm>
+          <a:off x="0" y="0"/>
+          <a:ext cx="0" cy="0"/>
+          <a:chOff x="0" y="0"/>
+          <a:chExt cx="0" cy="0"/>
+        </a:xfrm>
+      </p:grpSpPr>
+      <p:sp>
+        <p:nvSpPr>
+          <p:cNvPr id="4" name="Прямоугольник 3"/>
+          <p:cNvSpPr/>
+          <p:nvPr/>
+        </p:nvSpPr>
+        <p:spPr>
+          <a:xfrm>
             <a:off x="277920" y="337295"/>
             <a:ext cx="11832085" cy="769441"/>
           </a:xfrm>
@@ -8048,7 +9408,7 @@
 </p:sld>
 </file>
 
-<file path=ppt/slides/slide17.xml><?xml version="1.0" encoding="utf-8"?>
+<file path=ppt/slides/slide18.xml><?xml version="1.0" encoding="utf-8"?>
 <p:sld xmlns:a="http://schemas.openxmlformats.org/drawingml/2006/main" xmlns:r="http://schemas.openxmlformats.org/officeDocument/2006/relationships" xmlns:p="http://schemas.openxmlformats.org/presentationml/2006/main">
   <p:cSld>
     <p:spTree>
@@ -8239,7 +9599,7 @@
 </p:sld>
 </file>
 
-<file path=ppt/slides/slide18.xml><?xml version="1.0" encoding="utf-8"?>
+<file path=ppt/slides/slide19.xml><?xml version="1.0" encoding="utf-8"?>
 <p:sld xmlns:a="http://schemas.openxmlformats.org/drawingml/2006/main" xmlns:r="http://schemas.openxmlformats.org/officeDocument/2006/relationships" xmlns:p="http://schemas.openxmlformats.org/presentationml/2006/main">
   <p:cSld>
     <p:spTree>
@@ -8791,11 +10151,25 @@
               </a:spcAft>
             </a:pPr>
             <a:r>
+              <a:rPr lang="ru-RU" sz="2400" dirty="0">
+                <a:latin typeface="Comic Sans MS" panose="030F0702030302020204" pitchFamily="66" charset="0"/>
+                <a:ea typeface="Times New Roman" panose="02020603050405020304" pitchFamily="18" charset="0"/>
+              </a:rPr>
+              <a:t>Построить производственный процесс, который позволит с прогнозируемыми сроками и ресурсами </a:t>
+            </a:r>
+            <a:r>
               <a:rPr lang="ru-RU" sz="2400" dirty="0" smtClean="0">
                 <a:latin typeface="Comic Sans MS" panose="030F0702030302020204" pitchFamily="66" charset="0"/>
                 <a:ea typeface="Times New Roman" panose="02020603050405020304" pitchFamily="18" charset="0"/>
               </a:rPr>
-              <a:t>Построить производственный процесс имеющий минимальную стоимость, который позволит быстро и с минимальными затратами решить задачу распознавания фокуса в изображении.</a:t>
+              <a:t>произвести </a:t>
+            </a:r>
+            <a:r>
+              <a:rPr lang="ru-RU" sz="2400" dirty="0">
+                <a:latin typeface="Comic Sans MS" panose="030F0702030302020204" pitchFamily="66" charset="0"/>
+                <a:ea typeface="Times New Roman" panose="02020603050405020304" pitchFamily="18" charset="0"/>
+              </a:rPr>
+              <a:t>инструмент для  решения задачи распознавания  фокуса.</a:t>
             </a:r>
             <a:endParaRPr lang="ru-RU" sz="2400" dirty="0">
               <a:latin typeface="Comic Sans MS" panose="030F0702030302020204" pitchFamily="66" charset="0"/>
@@ -8968,11 +10342,25 @@
               </a:spcAft>
             </a:pPr>
             <a:r>
+              <a:rPr lang="ru-RU" sz="2400" dirty="0">
+                <a:latin typeface="Comic Sans MS" panose="030F0702030302020204" pitchFamily="66" charset="0"/>
+                <a:ea typeface="Times New Roman" panose="02020603050405020304" pitchFamily="18" charset="0"/>
+              </a:rPr>
+              <a:t>Поставить процесс и на его базе создать инструмент, который позволит быстро решить задачу </a:t>
+            </a:r>
+            <a:r>
               <a:rPr lang="ru-RU" sz="2400" dirty="0" smtClean="0">
                 <a:latin typeface="Comic Sans MS" panose="030F0702030302020204" pitchFamily="66" charset="0"/>
                 <a:ea typeface="Times New Roman" panose="02020603050405020304" pitchFamily="18" charset="0"/>
               </a:rPr>
-              <a:t>Сгенерировать инструмент, который позволит быстро решить задачу распознавания фокуса в изображении</a:t>
+              <a:t>распознавания </a:t>
+            </a:r>
+            <a:r>
+              <a:rPr lang="ru-RU" sz="2400" dirty="0">
+                <a:latin typeface="Comic Sans MS" panose="030F0702030302020204" pitchFamily="66" charset="0"/>
+                <a:ea typeface="Times New Roman" panose="02020603050405020304" pitchFamily="18" charset="0"/>
+              </a:rPr>
+              <a:t>фокуса в изображении</a:t>
             </a:r>
             <a:endParaRPr lang="ru-RU" sz="2400" dirty="0">
               <a:latin typeface="Comic Sans MS" panose="030F0702030302020204" pitchFamily="66" charset="0"/>
@@ -9065,8 +10453,8 @@
         </p:nvSpPr>
         <p:spPr>
           <a:xfrm>
-            <a:off x="3905250" y="4233974"/>
-            <a:ext cx="4283962" cy="1938992"/>
+            <a:off x="4339771" y="3926198"/>
+            <a:ext cx="3632466" cy="2554545"/>
           </a:xfrm>
           <a:prstGeom prst="rect">
             <a:avLst/>
@@ -9084,7 +10472,7 @@
                 <a:latin typeface="Comic Sans MS" panose="030F0702030302020204" pitchFamily="66" charset="0"/>
                 <a:ea typeface="Times New Roman" panose="02020603050405020304" pitchFamily="18" charset="0"/>
               </a:rPr>
-              <a:t>Получать </a:t>
+              <a:t>Позволит получать </a:t>
             </a:r>
             <a:r>
               <a:rPr lang="ru-RU" sz="2000" b="1" dirty="0">
@@ -9107,8 +10495,8 @@
         </p:nvSpPr>
         <p:spPr>
           <a:xfrm>
-            <a:off x="7972237" y="4205444"/>
-            <a:ext cx="4076671" cy="1938992"/>
+            <a:off x="7972237" y="4051556"/>
+            <a:ext cx="4076671" cy="2246769"/>
           </a:xfrm>
           <a:prstGeom prst="rect">
             <a:avLst/>
@@ -9137,14 +10525,28 @@
                 <a:latin typeface="Comic Sans MS" panose="030F0702030302020204" pitchFamily="66" charset="0"/>
                 <a:ea typeface="Times New Roman" panose="02020603050405020304" pitchFamily="18" charset="0"/>
               </a:rPr>
-              <a:t>высокопроизводительным продуктом и чем больше данная сеть находиться в рабочем режиме, тем точнее будет </a:t>
+              <a:t>высокопроизводительным </a:t>
             </a:r>
             <a:r>
               <a:rPr lang="ru-RU" sz="2000" b="1" dirty="0" smtClean="0">
                 <a:latin typeface="Comic Sans MS" panose="030F0702030302020204" pitchFamily="66" charset="0"/>
                 <a:ea typeface="Times New Roman" panose="02020603050405020304" pitchFamily="18" charset="0"/>
               </a:rPr>
-              <a:t>результат</a:t>
+              <a:t>продуктом, чем </a:t>
+            </a:r>
+            <a:r>
+              <a:rPr lang="ru-RU" sz="2000" b="1" dirty="0">
+                <a:latin typeface="Comic Sans MS" panose="030F0702030302020204" pitchFamily="66" charset="0"/>
+                <a:ea typeface="Times New Roman" panose="02020603050405020304" pitchFamily="18" charset="0"/>
+              </a:rPr>
+              <a:t>больше </a:t>
+            </a:r>
+            <a:r>
+              <a:rPr lang="ru-RU" sz="2000" b="1" dirty="0" smtClean="0">
+                <a:latin typeface="Comic Sans MS" panose="030F0702030302020204" pitchFamily="66" charset="0"/>
+                <a:ea typeface="Times New Roman" panose="02020603050405020304" pitchFamily="18" charset="0"/>
+              </a:rPr>
+              <a:t>входных данных для обучения, тем больше будет точность полученного решения. </a:t>
             </a:r>
             <a:endParaRPr lang="ru-RU" sz="2000" b="1" dirty="0">
               <a:latin typeface="Comic Sans MS" panose="030F0702030302020204" pitchFamily="66" charset="0"/>
@@ -9161,8 +10563,8 @@
         </p:nvSpPr>
         <p:spPr>
           <a:xfrm>
-            <a:off x="1" y="4191017"/>
-            <a:ext cx="3905249" cy="1938992"/>
+            <a:off x="246743" y="4037129"/>
+            <a:ext cx="3658507" cy="2246769"/>
           </a:xfrm>
           <a:prstGeom prst="rect">
             <a:avLst/>
@@ -9184,15 +10586,26 @@
                 <a:latin typeface="Comic Sans MS" panose="030F0702030302020204" pitchFamily="66" charset="0"/>
                 <a:ea typeface="Times New Roman" panose="02020603050405020304" pitchFamily="18" charset="0"/>
               </a:rPr>
-              <a:t>Позволяет </a:t>
+              <a:t>Позволит </a:t>
             </a:r>
             <a:r>
               <a:rPr lang="ru-RU" sz="2000" b="1" dirty="0">
                 <a:latin typeface="Comic Sans MS" panose="030F0702030302020204" pitchFamily="66" charset="0"/>
                 <a:ea typeface="Times New Roman" panose="02020603050405020304" pitchFamily="18" charset="0"/>
               </a:rPr>
-              <a:t>в кратчайшие сроки без особых навыков и приспособлений, разворачивать настраивать, загружать и обрабатывать серии изображений</a:t>
-            </a:r>
+              <a:t>с прогнозируемыми сроками и ресурсами произвести инструмент для  решения задачи распознавания  фокуса.</a:t>
+            </a:r>
+          </a:p>
+          <a:p>
+            <a:pPr lvl="0" algn="ctr">
+              <a:spcAft>
+                <a:spcPts val="0"/>
+              </a:spcAft>
+            </a:pPr>
+            <a:endParaRPr lang="ru-RU" sz="2000" b="1" dirty="0">
+              <a:latin typeface="Comic Sans MS" panose="030F0702030302020204" pitchFamily="66" charset="0"/>
+              <a:ea typeface="Times New Roman" panose="02020603050405020304" pitchFamily="18" charset="0"/>
+            </a:endParaRPr>
           </a:p>
         </p:txBody>
       </p:sp>
@@ -9881,35 +11294,7 @@
                 <a:latin typeface="Comic Sans MS" panose="030F0702030302020204" pitchFamily="66" charset="0"/>
                 <a:ea typeface="Times New Roman" panose="02020603050405020304" pitchFamily="18" charset="0"/>
               </a:rPr>
-              <a:t>высоко зависящим по производительности от технических характеристик </a:t>
-            </a:r>
-            <a:r>
-              <a:rPr lang="ru-RU" sz="2000" b="1" dirty="0" smtClean="0">
-                <a:latin typeface="Comic Sans MS" panose="030F0702030302020204" pitchFamily="66" charset="0"/>
-                <a:ea typeface="Times New Roman" panose="02020603050405020304" pitchFamily="18" charset="0"/>
-              </a:rPr>
-              <a:t>вычислительной машины </a:t>
-            </a:r>
-            <a:r>
-              <a:rPr lang="ru-RU" sz="2000" b="1" dirty="0">
-                <a:latin typeface="Comic Sans MS" panose="030F0702030302020204" pitchFamily="66" charset="0"/>
-                <a:ea typeface="Times New Roman" panose="02020603050405020304" pitchFamily="18" charset="0"/>
-              </a:rPr>
-              <a:t>на </a:t>
-            </a:r>
-            <a:r>
-              <a:rPr lang="ru-RU" sz="2000" b="1" dirty="0" smtClean="0">
-                <a:latin typeface="Comic Sans MS" panose="030F0702030302020204" pitchFamily="66" charset="0"/>
-                <a:ea typeface="Times New Roman" panose="02020603050405020304" pitchFamily="18" charset="0"/>
-              </a:rPr>
-              <a:t>которой </a:t>
-            </a:r>
-            <a:r>
-              <a:rPr lang="ru-RU" sz="2000" b="1" dirty="0">
-                <a:latin typeface="Comic Sans MS" panose="030F0702030302020204" pitchFamily="66" charset="0"/>
-                <a:ea typeface="Times New Roman" panose="02020603050405020304" pitchFamily="18" charset="0"/>
-              </a:rPr>
-              <a:t>оно работает</a:t>
+              <a:t>высоко зависящим по производительности от технических характеристик железа на котором оно работает</a:t>
             </a:r>
           </a:p>
         </p:txBody>
